--- a/ppt 16-9/0345.耶稣愿意救罪人.pptx
+++ b/ppt 16-9/0345.耶稣愿意救罪人.pptx
@@ -129,7 +129,7 @@
           <p:cNvPr id="2" name="标题 1">
             <a:extLst>
               <a:ext uri="{FF2B5EF4-FFF2-40B4-BE49-F238E27FC236}">
-                <a16:creationId xmlns:a16="http://schemas.microsoft.com/office/drawing/2014/main" id="{AAC9BA71-48AF-67A8-FFDF-5C02409F04F6}"/>
+                <a16:creationId xmlns:a16="http://schemas.microsoft.com/office/drawing/2014/main" id="{ACAEA9A1-BBDA-CF8E-9D44-A019CF368751}"/>
               </a:ext>
             </a:extLst>
           </p:cNvPr>
@@ -166,7 +166,7 @@
           <p:cNvPr id="3" name="副标题 2">
             <a:extLst>
               <a:ext uri="{FF2B5EF4-FFF2-40B4-BE49-F238E27FC236}">
-                <a16:creationId xmlns:a16="http://schemas.microsoft.com/office/drawing/2014/main" id="{0014AFAF-C18D-5BE1-DFAA-26D0D4D748FD}"/>
+                <a16:creationId xmlns:a16="http://schemas.microsoft.com/office/drawing/2014/main" id="{170E91EF-C553-AEF2-516E-73A286C7C9F0}"/>
               </a:ext>
             </a:extLst>
           </p:cNvPr>
@@ -236,7 +236,7 @@
           <p:cNvPr id="4" name="日期占位符 3">
             <a:extLst>
               <a:ext uri="{FF2B5EF4-FFF2-40B4-BE49-F238E27FC236}">
-                <a16:creationId xmlns:a16="http://schemas.microsoft.com/office/drawing/2014/main" id="{30218B00-4C0C-03FC-7099-A01B342227F2}"/>
+                <a16:creationId xmlns:a16="http://schemas.microsoft.com/office/drawing/2014/main" id="{245780C9-6BAC-9A72-98AF-93C9AE08FB15}"/>
               </a:ext>
             </a:extLst>
           </p:cNvPr>
@@ -252,7 +252,7 @@
           <a:bodyPr/>
           <a:lstStyle/>
           <a:p>
-            <a:fld id="{CE3045B8-B617-40AE-838F-1940CA776C9F}" type="datetimeFigureOut">
+            <a:fld id="{CB6AD5FD-DDC2-4566-9870-0EE6BC786D85}" type="datetimeFigureOut">
               <a:rPr lang="zh-CN" altLang="en-US" smtClean="0"/>
               <a:t>2024/3/10</a:t>
             </a:fld>
@@ -265,7 +265,7 @@
           <p:cNvPr id="5" name="页脚占位符 4">
             <a:extLst>
               <a:ext uri="{FF2B5EF4-FFF2-40B4-BE49-F238E27FC236}">
-                <a16:creationId xmlns:a16="http://schemas.microsoft.com/office/drawing/2014/main" id="{666DAA68-4E83-9A56-F70A-6FC666131B99}"/>
+                <a16:creationId xmlns:a16="http://schemas.microsoft.com/office/drawing/2014/main" id="{122E9CE0-27BE-5598-CA28-1C3AF11AE153}"/>
               </a:ext>
             </a:extLst>
           </p:cNvPr>
@@ -290,7 +290,7 @@
           <p:cNvPr id="6" name="灯片编号占位符 5">
             <a:extLst>
               <a:ext uri="{FF2B5EF4-FFF2-40B4-BE49-F238E27FC236}">
-                <a16:creationId xmlns:a16="http://schemas.microsoft.com/office/drawing/2014/main" id="{BAB78DFB-F793-FE6A-9129-C6C6DB4A78D1}"/>
+                <a16:creationId xmlns:a16="http://schemas.microsoft.com/office/drawing/2014/main" id="{4E03B9F5-9ED8-0111-2010-79D0F4AD6DCD}"/>
               </a:ext>
             </a:extLst>
           </p:cNvPr>
@@ -306,7 +306,7 @@
           <a:bodyPr/>
           <a:lstStyle/>
           <a:p>
-            <a:fld id="{F451E74C-095B-4AE2-AA9C-825C38653BD3}" type="slidenum">
+            <a:fld id="{1BF4661C-3626-4832-978A-EB6BF7AFC9B1}" type="slidenum">
               <a:rPr lang="zh-CN" altLang="en-US" smtClean="0"/>
               <a:t>‹#›</a:t>
             </a:fld>
@@ -317,7 +317,7 @@
     </p:spTree>
     <p:extLst>
       <p:ext uri="{BB962C8B-B14F-4D97-AF65-F5344CB8AC3E}">
-        <p14:creationId xmlns:p14="http://schemas.microsoft.com/office/powerpoint/2010/main" val="996477178"/>
+        <p14:creationId xmlns:p14="http://schemas.microsoft.com/office/powerpoint/2010/main" val="236447629"/>
       </p:ext>
     </p:extLst>
   </p:cSld>
@@ -349,7 +349,7 @@
           <p:cNvPr id="2" name="标题 1">
             <a:extLst>
               <a:ext uri="{FF2B5EF4-FFF2-40B4-BE49-F238E27FC236}">
-                <a16:creationId xmlns:a16="http://schemas.microsoft.com/office/drawing/2014/main" id="{3D90D023-CFE9-8AB5-4775-6B9C7067CCB8}"/>
+                <a16:creationId xmlns:a16="http://schemas.microsoft.com/office/drawing/2014/main" id="{791D7EBF-BADE-7F7B-3973-78A4AC0D9180}"/>
               </a:ext>
             </a:extLst>
           </p:cNvPr>
@@ -377,7 +377,7 @@
           <p:cNvPr id="3" name="竖排文字占位符 2">
             <a:extLst>
               <a:ext uri="{FF2B5EF4-FFF2-40B4-BE49-F238E27FC236}">
-                <a16:creationId xmlns:a16="http://schemas.microsoft.com/office/drawing/2014/main" id="{03A95B6E-4DD5-73BC-C8C1-B84F924B2C2A}"/>
+                <a16:creationId xmlns:a16="http://schemas.microsoft.com/office/drawing/2014/main" id="{BABC3967-DCE3-88AA-F22C-4D3CEDC5C633}"/>
               </a:ext>
             </a:extLst>
           </p:cNvPr>
@@ -434,7 +434,7 @@
           <p:cNvPr id="4" name="日期占位符 3">
             <a:extLst>
               <a:ext uri="{FF2B5EF4-FFF2-40B4-BE49-F238E27FC236}">
-                <a16:creationId xmlns:a16="http://schemas.microsoft.com/office/drawing/2014/main" id="{2C330461-5F33-FC53-C7FA-8F5E1C532A15}"/>
+                <a16:creationId xmlns:a16="http://schemas.microsoft.com/office/drawing/2014/main" id="{C243DA5E-241E-180B-46F7-CCEFD2206202}"/>
               </a:ext>
             </a:extLst>
           </p:cNvPr>
@@ -450,7 +450,7 @@
           <a:bodyPr/>
           <a:lstStyle/>
           <a:p>
-            <a:fld id="{CE3045B8-B617-40AE-838F-1940CA776C9F}" type="datetimeFigureOut">
+            <a:fld id="{CB6AD5FD-DDC2-4566-9870-0EE6BC786D85}" type="datetimeFigureOut">
               <a:rPr lang="zh-CN" altLang="en-US" smtClean="0"/>
               <a:t>2024/3/10</a:t>
             </a:fld>
@@ -463,7 +463,7 @@
           <p:cNvPr id="5" name="页脚占位符 4">
             <a:extLst>
               <a:ext uri="{FF2B5EF4-FFF2-40B4-BE49-F238E27FC236}">
-                <a16:creationId xmlns:a16="http://schemas.microsoft.com/office/drawing/2014/main" id="{5D17EA06-5BF2-0666-D162-803F73A72FE7}"/>
+                <a16:creationId xmlns:a16="http://schemas.microsoft.com/office/drawing/2014/main" id="{B517FD22-74C2-1796-370B-77A378580056}"/>
               </a:ext>
             </a:extLst>
           </p:cNvPr>
@@ -488,7 +488,7 @@
           <p:cNvPr id="6" name="灯片编号占位符 5">
             <a:extLst>
               <a:ext uri="{FF2B5EF4-FFF2-40B4-BE49-F238E27FC236}">
-                <a16:creationId xmlns:a16="http://schemas.microsoft.com/office/drawing/2014/main" id="{C6356649-7185-7A8F-BB67-FA223F77E87F}"/>
+                <a16:creationId xmlns:a16="http://schemas.microsoft.com/office/drawing/2014/main" id="{4099DDB2-8563-B487-4799-4264170D4EAC}"/>
               </a:ext>
             </a:extLst>
           </p:cNvPr>
@@ -504,7 +504,7 @@
           <a:bodyPr/>
           <a:lstStyle/>
           <a:p>
-            <a:fld id="{F451E74C-095B-4AE2-AA9C-825C38653BD3}" type="slidenum">
+            <a:fld id="{1BF4661C-3626-4832-978A-EB6BF7AFC9B1}" type="slidenum">
               <a:rPr lang="zh-CN" altLang="en-US" smtClean="0"/>
               <a:t>‹#›</a:t>
             </a:fld>
@@ -515,7 +515,7 @@
     </p:spTree>
     <p:extLst>
       <p:ext uri="{BB962C8B-B14F-4D97-AF65-F5344CB8AC3E}">
-        <p14:creationId xmlns:p14="http://schemas.microsoft.com/office/powerpoint/2010/main" val="1772631849"/>
+        <p14:creationId xmlns:p14="http://schemas.microsoft.com/office/powerpoint/2010/main" val="1880009879"/>
       </p:ext>
     </p:extLst>
   </p:cSld>
@@ -547,7 +547,7 @@
           <p:cNvPr id="2" name="竖排标题 1">
             <a:extLst>
               <a:ext uri="{FF2B5EF4-FFF2-40B4-BE49-F238E27FC236}">
-                <a16:creationId xmlns:a16="http://schemas.microsoft.com/office/drawing/2014/main" id="{960FCE86-839B-393C-6EAC-45FB0E00FAD3}"/>
+                <a16:creationId xmlns:a16="http://schemas.microsoft.com/office/drawing/2014/main" id="{AD984ED1-D6DD-6672-4E43-272C8E039E4D}"/>
               </a:ext>
             </a:extLst>
           </p:cNvPr>
@@ -580,7 +580,7 @@
           <p:cNvPr id="3" name="竖排文字占位符 2">
             <a:extLst>
               <a:ext uri="{FF2B5EF4-FFF2-40B4-BE49-F238E27FC236}">
-                <a16:creationId xmlns:a16="http://schemas.microsoft.com/office/drawing/2014/main" id="{77CC5C77-1D07-8EDC-C991-24A3374DB3E8}"/>
+                <a16:creationId xmlns:a16="http://schemas.microsoft.com/office/drawing/2014/main" id="{E5BEEE2F-8030-A99A-6E90-4007176BDF55}"/>
               </a:ext>
             </a:extLst>
           </p:cNvPr>
@@ -642,7 +642,7 @@
           <p:cNvPr id="4" name="日期占位符 3">
             <a:extLst>
               <a:ext uri="{FF2B5EF4-FFF2-40B4-BE49-F238E27FC236}">
-                <a16:creationId xmlns:a16="http://schemas.microsoft.com/office/drawing/2014/main" id="{F2F70DAC-C7B1-D45F-84AD-700C01B1EFED}"/>
+                <a16:creationId xmlns:a16="http://schemas.microsoft.com/office/drawing/2014/main" id="{65EC2142-A14A-4190-1E98-AA1858C22728}"/>
               </a:ext>
             </a:extLst>
           </p:cNvPr>
@@ -658,7 +658,7 @@
           <a:bodyPr/>
           <a:lstStyle/>
           <a:p>
-            <a:fld id="{CE3045B8-B617-40AE-838F-1940CA776C9F}" type="datetimeFigureOut">
+            <a:fld id="{CB6AD5FD-DDC2-4566-9870-0EE6BC786D85}" type="datetimeFigureOut">
               <a:rPr lang="zh-CN" altLang="en-US" smtClean="0"/>
               <a:t>2024/3/10</a:t>
             </a:fld>
@@ -671,7 +671,7 @@
           <p:cNvPr id="5" name="页脚占位符 4">
             <a:extLst>
               <a:ext uri="{FF2B5EF4-FFF2-40B4-BE49-F238E27FC236}">
-                <a16:creationId xmlns:a16="http://schemas.microsoft.com/office/drawing/2014/main" id="{C39B6DDB-C020-D4D6-997D-44E25ED24BBD}"/>
+                <a16:creationId xmlns:a16="http://schemas.microsoft.com/office/drawing/2014/main" id="{E2AC2A12-530D-6C35-92CE-BDC9F2563BCF}"/>
               </a:ext>
             </a:extLst>
           </p:cNvPr>
@@ -696,7 +696,7 @@
           <p:cNvPr id="6" name="灯片编号占位符 5">
             <a:extLst>
               <a:ext uri="{FF2B5EF4-FFF2-40B4-BE49-F238E27FC236}">
-                <a16:creationId xmlns:a16="http://schemas.microsoft.com/office/drawing/2014/main" id="{C0024E36-A89E-564E-4735-2ED29FB7736F}"/>
+                <a16:creationId xmlns:a16="http://schemas.microsoft.com/office/drawing/2014/main" id="{B0D64F6C-3C60-4F18-9ED5-F9DB35B077E3}"/>
               </a:ext>
             </a:extLst>
           </p:cNvPr>
@@ -712,7 +712,7 @@
           <a:bodyPr/>
           <a:lstStyle/>
           <a:p>
-            <a:fld id="{F451E74C-095B-4AE2-AA9C-825C38653BD3}" type="slidenum">
+            <a:fld id="{1BF4661C-3626-4832-978A-EB6BF7AFC9B1}" type="slidenum">
               <a:rPr lang="zh-CN" altLang="en-US" smtClean="0"/>
               <a:t>‹#›</a:t>
             </a:fld>
@@ -723,7 +723,7 @@
     </p:spTree>
     <p:extLst>
       <p:ext uri="{BB962C8B-B14F-4D97-AF65-F5344CB8AC3E}">
-        <p14:creationId xmlns:p14="http://schemas.microsoft.com/office/powerpoint/2010/main" val="3012531408"/>
+        <p14:creationId xmlns:p14="http://schemas.microsoft.com/office/powerpoint/2010/main" val="2072152010"/>
       </p:ext>
     </p:extLst>
   </p:cSld>
@@ -755,7 +755,7 @@
           <p:cNvPr id="2" name="标题 1">
             <a:extLst>
               <a:ext uri="{FF2B5EF4-FFF2-40B4-BE49-F238E27FC236}">
-                <a16:creationId xmlns:a16="http://schemas.microsoft.com/office/drawing/2014/main" id="{73D58F91-6BD0-4731-6078-155D5317C670}"/>
+                <a16:creationId xmlns:a16="http://schemas.microsoft.com/office/drawing/2014/main" id="{9A3A38DB-AEA8-3953-4748-F8E9FB4E4F63}"/>
               </a:ext>
             </a:extLst>
           </p:cNvPr>
@@ -783,7 +783,7 @@
           <p:cNvPr id="3" name="内容占位符 2">
             <a:extLst>
               <a:ext uri="{FF2B5EF4-FFF2-40B4-BE49-F238E27FC236}">
-                <a16:creationId xmlns:a16="http://schemas.microsoft.com/office/drawing/2014/main" id="{8BFCA70D-37CD-B1CF-514D-B81CCA6B00A9}"/>
+                <a16:creationId xmlns:a16="http://schemas.microsoft.com/office/drawing/2014/main" id="{1339C696-3488-FB05-61C1-11C034057160}"/>
               </a:ext>
             </a:extLst>
           </p:cNvPr>
@@ -840,7 +840,7 @@
           <p:cNvPr id="4" name="日期占位符 3">
             <a:extLst>
               <a:ext uri="{FF2B5EF4-FFF2-40B4-BE49-F238E27FC236}">
-                <a16:creationId xmlns:a16="http://schemas.microsoft.com/office/drawing/2014/main" id="{DCFE3D8A-8CB8-BE93-8EC9-89A149A10808}"/>
+                <a16:creationId xmlns:a16="http://schemas.microsoft.com/office/drawing/2014/main" id="{2F8A794B-D65E-BB41-7F84-80CC726A92E0}"/>
               </a:ext>
             </a:extLst>
           </p:cNvPr>
@@ -856,7 +856,7 @@
           <a:bodyPr/>
           <a:lstStyle/>
           <a:p>
-            <a:fld id="{CE3045B8-B617-40AE-838F-1940CA776C9F}" type="datetimeFigureOut">
+            <a:fld id="{CB6AD5FD-DDC2-4566-9870-0EE6BC786D85}" type="datetimeFigureOut">
               <a:rPr lang="zh-CN" altLang="en-US" smtClean="0"/>
               <a:t>2024/3/10</a:t>
             </a:fld>
@@ -869,7 +869,7 @@
           <p:cNvPr id="5" name="页脚占位符 4">
             <a:extLst>
               <a:ext uri="{FF2B5EF4-FFF2-40B4-BE49-F238E27FC236}">
-                <a16:creationId xmlns:a16="http://schemas.microsoft.com/office/drawing/2014/main" id="{9F4445A6-FABD-C553-3E17-FC60E3A6CC77}"/>
+                <a16:creationId xmlns:a16="http://schemas.microsoft.com/office/drawing/2014/main" id="{5693078C-2DFF-DBCB-7F2A-37BA7F85A0B1}"/>
               </a:ext>
             </a:extLst>
           </p:cNvPr>
@@ -894,7 +894,7 @@
           <p:cNvPr id="6" name="灯片编号占位符 5">
             <a:extLst>
               <a:ext uri="{FF2B5EF4-FFF2-40B4-BE49-F238E27FC236}">
-                <a16:creationId xmlns:a16="http://schemas.microsoft.com/office/drawing/2014/main" id="{5E5E5071-EC4C-FA93-8734-EAB53162CFBA}"/>
+                <a16:creationId xmlns:a16="http://schemas.microsoft.com/office/drawing/2014/main" id="{4E74D0B8-1575-2062-49B9-E491B5D86DF2}"/>
               </a:ext>
             </a:extLst>
           </p:cNvPr>
@@ -910,7 +910,7 @@
           <a:bodyPr/>
           <a:lstStyle/>
           <a:p>
-            <a:fld id="{F451E74C-095B-4AE2-AA9C-825C38653BD3}" type="slidenum">
+            <a:fld id="{1BF4661C-3626-4832-978A-EB6BF7AFC9B1}" type="slidenum">
               <a:rPr lang="zh-CN" altLang="en-US" smtClean="0"/>
               <a:t>‹#›</a:t>
             </a:fld>
@@ -921,7 +921,7 @@
     </p:spTree>
     <p:extLst>
       <p:ext uri="{BB962C8B-B14F-4D97-AF65-F5344CB8AC3E}">
-        <p14:creationId xmlns:p14="http://schemas.microsoft.com/office/powerpoint/2010/main" val="1806934389"/>
+        <p14:creationId xmlns:p14="http://schemas.microsoft.com/office/powerpoint/2010/main" val="723486479"/>
       </p:ext>
     </p:extLst>
   </p:cSld>
@@ -953,7 +953,7 @@
           <p:cNvPr id="2" name="标题 1">
             <a:extLst>
               <a:ext uri="{FF2B5EF4-FFF2-40B4-BE49-F238E27FC236}">
-                <a16:creationId xmlns:a16="http://schemas.microsoft.com/office/drawing/2014/main" id="{216182E7-CF7C-8ABC-8907-ECC368F8FB8C}"/>
+                <a16:creationId xmlns:a16="http://schemas.microsoft.com/office/drawing/2014/main" id="{94D8D742-6816-84BB-E0C3-886B598F3C8B}"/>
               </a:ext>
             </a:extLst>
           </p:cNvPr>
@@ -990,7 +990,7 @@
           <p:cNvPr id="3" name="文本占位符 2">
             <a:extLst>
               <a:ext uri="{FF2B5EF4-FFF2-40B4-BE49-F238E27FC236}">
-                <a16:creationId xmlns:a16="http://schemas.microsoft.com/office/drawing/2014/main" id="{B97C42AD-1091-4A90-D8A4-6AD7DACABF4D}"/>
+                <a16:creationId xmlns:a16="http://schemas.microsoft.com/office/drawing/2014/main" id="{5DE9C04F-5595-FDAB-4E06-8FC2626982DF}"/>
               </a:ext>
             </a:extLst>
           </p:cNvPr>
@@ -1115,7 +1115,7 @@
           <p:cNvPr id="4" name="日期占位符 3">
             <a:extLst>
               <a:ext uri="{FF2B5EF4-FFF2-40B4-BE49-F238E27FC236}">
-                <a16:creationId xmlns:a16="http://schemas.microsoft.com/office/drawing/2014/main" id="{3B009653-C63F-AA90-54A5-47BAC3121875}"/>
+                <a16:creationId xmlns:a16="http://schemas.microsoft.com/office/drawing/2014/main" id="{89C18F1D-D2F6-E00D-3E33-31E226243A7B}"/>
               </a:ext>
             </a:extLst>
           </p:cNvPr>
@@ -1131,7 +1131,7 @@
           <a:bodyPr/>
           <a:lstStyle/>
           <a:p>
-            <a:fld id="{CE3045B8-B617-40AE-838F-1940CA776C9F}" type="datetimeFigureOut">
+            <a:fld id="{CB6AD5FD-DDC2-4566-9870-0EE6BC786D85}" type="datetimeFigureOut">
               <a:rPr lang="zh-CN" altLang="en-US" smtClean="0"/>
               <a:t>2024/3/10</a:t>
             </a:fld>
@@ -1144,7 +1144,7 @@
           <p:cNvPr id="5" name="页脚占位符 4">
             <a:extLst>
               <a:ext uri="{FF2B5EF4-FFF2-40B4-BE49-F238E27FC236}">
-                <a16:creationId xmlns:a16="http://schemas.microsoft.com/office/drawing/2014/main" id="{BDF086EC-7F44-9CE8-F2FB-37AC49C053A8}"/>
+                <a16:creationId xmlns:a16="http://schemas.microsoft.com/office/drawing/2014/main" id="{D70DF8D9-4CB0-2C67-6870-9FB4D515B821}"/>
               </a:ext>
             </a:extLst>
           </p:cNvPr>
@@ -1169,7 +1169,7 @@
           <p:cNvPr id="6" name="灯片编号占位符 5">
             <a:extLst>
               <a:ext uri="{FF2B5EF4-FFF2-40B4-BE49-F238E27FC236}">
-                <a16:creationId xmlns:a16="http://schemas.microsoft.com/office/drawing/2014/main" id="{4BD8BC1F-AB1A-1C79-0044-AF186A615E02}"/>
+                <a16:creationId xmlns:a16="http://schemas.microsoft.com/office/drawing/2014/main" id="{8106CD31-BF07-E0A6-D9B9-D6D3992C9B7A}"/>
               </a:ext>
             </a:extLst>
           </p:cNvPr>
@@ -1185,7 +1185,7 @@
           <a:bodyPr/>
           <a:lstStyle/>
           <a:p>
-            <a:fld id="{F451E74C-095B-4AE2-AA9C-825C38653BD3}" type="slidenum">
+            <a:fld id="{1BF4661C-3626-4832-978A-EB6BF7AFC9B1}" type="slidenum">
               <a:rPr lang="zh-CN" altLang="en-US" smtClean="0"/>
               <a:t>‹#›</a:t>
             </a:fld>
@@ -1196,7 +1196,7 @@
     </p:spTree>
     <p:extLst>
       <p:ext uri="{BB962C8B-B14F-4D97-AF65-F5344CB8AC3E}">
-        <p14:creationId xmlns:p14="http://schemas.microsoft.com/office/powerpoint/2010/main" val="4214865090"/>
+        <p14:creationId xmlns:p14="http://schemas.microsoft.com/office/powerpoint/2010/main" val="374631812"/>
       </p:ext>
     </p:extLst>
   </p:cSld>
@@ -1228,7 +1228,7 @@
           <p:cNvPr id="2" name="标题 1">
             <a:extLst>
               <a:ext uri="{FF2B5EF4-FFF2-40B4-BE49-F238E27FC236}">
-                <a16:creationId xmlns:a16="http://schemas.microsoft.com/office/drawing/2014/main" id="{0F9DD928-C6E2-F8C2-BF68-43D77B7C69A9}"/>
+                <a16:creationId xmlns:a16="http://schemas.microsoft.com/office/drawing/2014/main" id="{C28BDB0A-7929-C367-8987-631A490E663D}"/>
               </a:ext>
             </a:extLst>
           </p:cNvPr>
@@ -1256,7 +1256,7 @@
           <p:cNvPr id="3" name="内容占位符 2">
             <a:extLst>
               <a:ext uri="{FF2B5EF4-FFF2-40B4-BE49-F238E27FC236}">
-                <a16:creationId xmlns:a16="http://schemas.microsoft.com/office/drawing/2014/main" id="{8678EAB3-201A-59BE-12F7-5890D34BF798}"/>
+                <a16:creationId xmlns:a16="http://schemas.microsoft.com/office/drawing/2014/main" id="{025057C9-9C40-2456-A01B-EAFFB55BDB17}"/>
               </a:ext>
             </a:extLst>
           </p:cNvPr>
@@ -1318,7 +1318,7 @@
           <p:cNvPr id="4" name="内容占位符 3">
             <a:extLst>
               <a:ext uri="{FF2B5EF4-FFF2-40B4-BE49-F238E27FC236}">
-                <a16:creationId xmlns:a16="http://schemas.microsoft.com/office/drawing/2014/main" id="{729CB7AF-71FF-F70E-DBE9-7735735CB2B1}"/>
+                <a16:creationId xmlns:a16="http://schemas.microsoft.com/office/drawing/2014/main" id="{DC5C7797-851F-92DE-93F4-FB172F57400D}"/>
               </a:ext>
             </a:extLst>
           </p:cNvPr>
@@ -1380,7 +1380,7 @@
           <p:cNvPr id="5" name="日期占位符 4">
             <a:extLst>
               <a:ext uri="{FF2B5EF4-FFF2-40B4-BE49-F238E27FC236}">
-                <a16:creationId xmlns:a16="http://schemas.microsoft.com/office/drawing/2014/main" id="{12FF5376-B0EC-28D8-82DB-B03FA9D2412D}"/>
+                <a16:creationId xmlns:a16="http://schemas.microsoft.com/office/drawing/2014/main" id="{2EDFB2AF-E8FB-4064-E1B4-EE245D6CD019}"/>
               </a:ext>
             </a:extLst>
           </p:cNvPr>
@@ -1396,7 +1396,7 @@
           <a:bodyPr/>
           <a:lstStyle/>
           <a:p>
-            <a:fld id="{CE3045B8-B617-40AE-838F-1940CA776C9F}" type="datetimeFigureOut">
+            <a:fld id="{CB6AD5FD-DDC2-4566-9870-0EE6BC786D85}" type="datetimeFigureOut">
               <a:rPr lang="zh-CN" altLang="en-US" smtClean="0"/>
               <a:t>2024/3/10</a:t>
             </a:fld>
@@ -1409,7 +1409,7 @@
           <p:cNvPr id="6" name="页脚占位符 5">
             <a:extLst>
               <a:ext uri="{FF2B5EF4-FFF2-40B4-BE49-F238E27FC236}">
-                <a16:creationId xmlns:a16="http://schemas.microsoft.com/office/drawing/2014/main" id="{C1179706-8196-7994-C84B-117F85742C00}"/>
+                <a16:creationId xmlns:a16="http://schemas.microsoft.com/office/drawing/2014/main" id="{46F22A79-84A8-547D-5A43-228EB7A6D83C}"/>
               </a:ext>
             </a:extLst>
           </p:cNvPr>
@@ -1434,7 +1434,7 @@
           <p:cNvPr id="7" name="灯片编号占位符 6">
             <a:extLst>
               <a:ext uri="{FF2B5EF4-FFF2-40B4-BE49-F238E27FC236}">
-                <a16:creationId xmlns:a16="http://schemas.microsoft.com/office/drawing/2014/main" id="{E6A10126-1E1B-7284-3E59-043921E33465}"/>
+                <a16:creationId xmlns:a16="http://schemas.microsoft.com/office/drawing/2014/main" id="{41B982AE-5C1A-A565-0AFA-FC4D081FAFCB}"/>
               </a:ext>
             </a:extLst>
           </p:cNvPr>
@@ -1450,7 +1450,7 @@
           <a:bodyPr/>
           <a:lstStyle/>
           <a:p>
-            <a:fld id="{F451E74C-095B-4AE2-AA9C-825C38653BD3}" type="slidenum">
+            <a:fld id="{1BF4661C-3626-4832-978A-EB6BF7AFC9B1}" type="slidenum">
               <a:rPr lang="zh-CN" altLang="en-US" smtClean="0"/>
               <a:t>‹#›</a:t>
             </a:fld>
@@ -1461,7 +1461,7 @@
     </p:spTree>
     <p:extLst>
       <p:ext uri="{BB962C8B-B14F-4D97-AF65-F5344CB8AC3E}">
-        <p14:creationId xmlns:p14="http://schemas.microsoft.com/office/powerpoint/2010/main" val="899995825"/>
+        <p14:creationId xmlns:p14="http://schemas.microsoft.com/office/powerpoint/2010/main" val="1023531900"/>
       </p:ext>
     </p:extLst>
   </p:cSld>
@@ -1493,7 +1493,7 @@
           <p:cNvPr id="2" name="标题 1">
             <a:extLst>
               <a:ext uri="{FF2B5EF4-FFF2-40B4-BE49-F238E27FC236}">
-                <a16:creationId xmlns:a16="http://schemas.microsoft.com/office/drawing/2014/main" id="{45E6320A-8F63-C343-560A-B8B08BC1D975}"/>
+                <a16:creationId xmlns:a16="http://schemas.microsoft.com/office/drawing/2014/main" id="{CCFF5461-1CA5-282A-5814-0A33E83E4F01}"/>
               </a:ext>
             </a:extLst>
           </p:cNvPr>
@@ -1526,7 +1526,7 @@
           <p:cNvPr id="3" name="文本占位符 2">
             <a:extLst>
               <a:ext uri="{FF2B5EF4-FFF2-40B4-BE49-F238E27FC236}">
-                <a16:creationId xmlns:a16="http://schemas.microsoft.com/office/drawing/2014/main" id="{3AE7BE48-94B8-67D2-68D6-C401AC4A08FE}"/>
+                <a16:creationId xmlns:a16="http://schemas.microsoft.com/office/drawing/2014/main" id="{EC4A534F-CD0E-356A-A4E4-B0FF7B057D9C}"/>
               </a:ext>
             </a:extLst>
           </p:cNvPr>
@@ -1597,7 +1597,7 @@
           <p:cNvPr id="4" name="内容占位符 3">
             <a:extLst>
               <a:ext uri="{FF2B5EF4-FFF2-40B4-BE49-F238E27FC236}">
-                <a16:creationId xmlns:a16="http://schemas.microsoft.com/office/drawing/2014/main" id="{04F76CBC-5E80-4733-4AE3-9B919850CB84}"/>
+                <a16:creationId xmlns:a16="http://schemas.microsoft.com/office/drawing/2014/main" id="{AC09A353-8651-8846-D1D3-32D1E1BB4ED3}"/>
               </a:ext>
             </a:extLst>
           </p:cNvPr>
@@ -1659,7 +1659,7 @@
           <p:cNvPr id="5" name="文本占位符 4">
             <a:extLst>
               <a:ext uri="{FF2B5EF4-FFF2-40B4-BE49-F238E27FC236}">
-                <a16:creationId xmlns:a16="http://schemas.microsoft.com/office/drawing/2014/main" id="{F72895C6-9283-0D79-C81A-582A2300E62F}"/>
+                <a16:creationId xmlns:a16="http://schemas.microsoft.com/office/drawing/2014/main" id="{452BD8EA-F387-F673-18FA-5721BE0C1140}"/>
               </a:ext>
             </a:extLst>
           </p:cNvPr>
@@ -1730,7 +1730,7 @@
           <p:cNvPr id="6" name="内容占位符 5">
             <a:extLst>
               <a:ext uri="{FF2B5EF4-FFF2-40B4-BE49-F238E27FC236}">
-                <a16:creationId xmlns:a16="http://schemas.microsoft.com/office/drawing/2014/main" id="{6AD28A03-860C-F359-8D16-4B03F1E26FCF}"/>
+                <a16:creationId xmlns:a16="http://schemas.microsoft.com/office/drawing/2014/main" id="{F00C64FF-FD7F-82FC-940D-B2A606BBDA5F}"/>
               </a:ext>
             </a:extLst>
           </p:cNvPr>
@@ -1792,7 +1792,7 @@
           <p:cNvPr id="7" name="日期占位符 6">
             <a:extLst>
               <a:ext uri="{FF2B5EF4-FFF2-40B4-BE49-F238E27FC236}">
-                <a16:creationId xmlns:a16="http://schemas.microsoft.com/office/drawing/2014/main" id="{31FF00EC-E38C-44D8-50FB-A58E058EEC3D}"/>
+                <a16:creationId xmlns:a16="http://schemas.microsoft.com/office/drawing/2014/main" id="{75115892-26F7-1834-2220-7305488696AA}"/>
               </a:ext>
             </a:extLst>
           </p:cNvPr>
@@ -1808,7 +1808,7 @@
           <a:bodyPr/>
           <a:lstStyle/>
           <a:p>
-            <a:fld id="{CE3045B8-B617-40AE-838F-1940CA776C9F}" type="datetimeFigureOut">
+            <a:fld id="{CB6AD5FD-DDC2-4566-9870-0EE6BC786D85}" type="datetimeFigureOut">
               <a:rPr lang="zh-CN" altLang="en-US" smtClean="0"/>
               <a:t>2024/3/10</a:t>
             </a:fld>
@@ -1821,7 +1821,7 @@
           <p:cNvPr id="8" name="页脚占位符 7">
             <a:extLst>
               <a:ext uri="{FF2B5EF4-FFF2-40B4-BE49-F238E27FC236}">
-                <a16:creationId xmlns:a16="http://schemas.microsoft.com/office/drawing/2014/main" id="{45CEDC56-F252-E331-607A-3EC4529A0F3B}"/>
+                <a16:creationId xmlns:a16="http://schemas.microsoft.com/office/drawing/2014/main" id="{4747D541-8C0C-EA9D-B9D3-966F1BD33162}"/>
               </a:ext>
             </a:extLst>
           </p:cNvPr>
@@ -1846,7 +1846,7 @@
           <p:cNvPr id="9" name="灯片编号占位符 8">
             <a:extLst>
               <a:ext uri="{FF2B5EF4-FFF2-40B4-BE49-F238E27FC236}">
-                <a16:creationId xmlns:a16="http://schemas.microsoft.com/office/drawing/2014/main" id="{5DC6FE12-29E8-0662-46C0-43D80266A2B8}"/>
+                <a16:creationId xmlns:a16="http://schemas.microsoft.com/office/drawing/2014/main" id="{B9C33CF4-8C77-BE5F-E5FF-8CF28203F72D}"/>
               </a:ext>
             </a:extLst>
           </p:cNvPr>
@@ -1862,7 +1862,7 @@
           <a:bodyPr/>
           <a:lstStyle/>
           <a:p>
-            <a:fld id="{F451E74C-095B-4AE2-AA9C-825C38653BD3}" type="slidenum">
+            <a:fld id="{1BF4661C-3626-4832-978A-EB6BF7AFC9B1}" type="slidenum">
               <a:rPr lang="zh-CN" altLang="en-US" smtClean="0"/>
               <a:t>‹#›</a:t>
             </a:fld>
@@ -1873,7 +1873,7 @@
     </p:spTree>
     <p:extLst>
       <p:ext uri="{BB962C8B-B14F-4D97-AF65-F5344CB8AC3E}">
-        <p14:creationId xmlns:p14="http://schemas.microsoft.com/office/powerpoint/2010/main" val="1241489379"/>
+        <p14:creationId xmlns:p14="http://schemas.microsoft.com/office/powerpoint/2010/main" val="3286056731"/>
       </p:ext>
     </p:extLst>
   </p:cSld>
@@ -1905,7 +1905,7 @@
           <p:cNvPr id="2" name="标题 1">
             <a:extLst>
               <a:ext uri="{FF2B5EF4-FFF2-40B4-BE49-F238E27FC236}">
-                <a16:creationId xmlns:a16="http://schemas.microsoft.com/office/drawing/2014/main" id="{F0CC9878-FFD2-3643-61A8-4BCAC04245FE}"/>
+                <a16:creationId xmlns:a16="http://schemas.microsoft.com/office/drawing/2014/main" id="{B9640249-1989-6E0B-C853-4D6201207A9A}"/>
               </a:ext>
             </a:extLst>
           </p:cNvPr>
@@ -1933,7 +1933,7 @@
           <p:cNvPr id="3" name="日期占位符 2">
             <a:extLst>
               <a:ext uri="{FF2B5EF4-FFF2-40B4-BE49-F238E27FC236}">
-                <a16:creationId xmlns:a16="http://schemas.microsoft.com/office/drawing/2014/main" id="{1EC37E51-0E33-6411-2B78-552202F0A551}"/>
+                <a16:creationId xmlns:a16="http://schemas.microsoft.com/office/drawing/2014/main" id="{C4275D39-D29B-1179-7930-9AF0B863082D}"/>
               </a:ext>
             </a:extLst>
           </p:cNvPr>
@@ -1949,7 +1949,7 @@
           <a:bodyPr/>
           <a:lstStyle/>
           <a:p>
-            <a:fld id="{CE3045B8-B617-40AE-838F-1940CA776C9F}" type="datetimeFigureOut">
+            <a:fld id="{CB6AD5FD-DDC2-4566-9870-0EE6BC786D85}" type="datetimeFigureOut">
               <a:rPr lang="zh-CN" altLang="en-US" smtClean="0"/>
               <a:t>2024/3/10</a:t>
             </a:fld>
@@ -1962,7 +1962,7 @@
           <p:cNvPr id="4" name="页脚占位符 3">
             <a:extLst>
               <a:ext uri="{FF2B5EF4-FFF2-40B4-BE49-F238E27FC236}">
-                <a16:creationId xmlns:a16="http://schemas.microsoft.com/office/drawing/2014/main" id="{E4170C06-F505-D522-4B72-2159D98CBF91}"/>
+                <a16:creationId xmlns:a16="http://schemas.microsoft.com/office/drawing/2014/main" id="{30DEC4FC-EC42-108A-85D3-6D97E56E0E83}"/>
               </a:ext>
             </a:extLst>
           </p:cNvPr>
@@ -1987,7 +1987,7 @@
           <p:cNvPr id="5" name="灯片编号占位符 4">
             <a:extLst>
               <a:ext uri="{FF2B5EF4-FFF2-40B4-BE49-F238E27FC236}">
-                <a16:creationId xmlns:a16="http://schemas.microsoft.com/office/drawing/2014/main" id="{F64FFAD3-40C2-C57C-F302-8B725300BDCF}"/>
+                <a16:creationId xmlns:a16="http://schemas.microsoft.com/office/drawing/2014/main" id="{29F7061B-97D2-F064-AEA2-849099B37BBE}"/>
               </a:ext>
             </a:extLst>
           </p:cNvPr>
@@ -2003,7 +2003,7 @@
           <a:bodyPr/>
           <a:lstStyle/>
           <a:p>
-            <a:fld id="{F451E74C-095B-4AE2-AA9C-825C38653BD3}" type="slidenum">
+            <a:fld id="{1BF4661C-3626-4832-978A-EB6BF7AFC9B1}" type="slidenum">
               <a:rPr lang="zh-CN" altLang="en-US" smtClean="0"/>
               <a:t>‹#›</a:t>
             </a:fld>
@@ -2014,7 +2014,7 @@
     </p:spTree>
     <p:extLst>
       <p:ext uri="{BB962C8B-B14F-4D97-AF65-F5344CB8AC3E}">
-        <p14:creationId xmlns:p14="http://schemas.microsoft.com/office/powerpoint/2010/main" val="4222101890"/>
+        <p14:creationId xmlns:p14="http://schemas.microsoft.com/office/powerpoint/2010/main" val="3427349984"/>
       </p:ext>
     </p:extLst>
   </p:cSld>
@@ -2046,7 +2046,7 @@
           <p:cNvPr id="2" name="日期占位符 1">
             <a:extLst>
               <a:ext uri="{FF2B5EF4-FFF2-40B4-BE49-F238E27FC236}">
-                <a16:creationId xmlns:a16="http://schemas.microsoft.com/office/drawing/2014/main" id="{5A87B72C-800D-2857-FE06-12B976721B70}"/>
+                <a16:creationId xmlns:a16="http://schemas.microsoft.com/office/drawing/2014/main" id="{C3D0997F-9B0A-6BB2-6361-0B39096955CA}"/>
               </a:ext>
             </a:extLst>
           </p:cNvPr>
@@ -2062,7 +2062,7 @@
           <a:bodyPr/>
           <a:lstStyle/>
           <a:p>
-            <a:fld id="{CE3045B8-B617-40AE-838F-1940CA776C9F}" type="datetimeFigureOut">
+            <a:fld id="{CB6AD5FD-DDC2-4566-9870-0EE6BC786D85}" type="datetimeFigureOut">
               <a:rPr lang="zh-CN" altLang="en-US" smtClean="0"/>
               <a:t>2024/3/10</a:t>
             </a:fld>
@@ -2075,7 +2075,7 @@
           <p:cNvPr id="3" name="页脚占位符 2">
             <a:extLst>
               <a:ext uri="{FF2B5EF4-FFF2-40B4-BE49-F238E27FC236}">
-                <a16:creationId xmlns:a16="http://schemas.microsoft.com/office/drawing/2014/main" id="{4DAC7D6A-8745-7A5C-6C5F-463C4D6795C6}"/>
+                <a16:creationId xmlns:a16="http://schemas.microsoft.com/office/drawing/2014/main" id="{9AD0C85A-E852-10B8-D064-72893992B3AA}"/>
               </a:ext>
             </a:extLst>
           </p:cNvPr>
@@ -2100,7 +2100,7 @@
           <p:cNvPr id="4" name="灯片编号占位符 3">
             <a:extLst>
               <a:ext uri="{FF2B5EF4-FFF2-40B4-BE49-F238E27FC236}">
-                <a16:creationId xmlns:a16="http://schemas.microsoft.com/office/drawing/2014/main" id="{6FB60BA2-94D8-3925-AE9D-D33BE6F90ABF}"/>
+                <a16:creationId xmlns:a16="http://schemas.microsoft.com/office/drawing/2014/main" id="{6630A6C9-0EDD-49F2-D90E-4C0FA0F63AF4}"/>
               </a:ext>
             </a:extLst>
           </p:cNvPr>
@@ -2116,7 +2116,7 @@
           <a:bodyPr/>
           <a:lstStyle/>
           <a:p>
-            <a:fld id="{F451E74C-095B-4AE2-AA9C-825C38653BD3}" type="slidenum">
+            <a:fld id="{1BF4661C-3626-4832-978A-EB6BF7AFC9B1}" type="slidenum">
               <a:rPr lang="zh-CN" altLang="en-US" smtClean="0"/>
               <a:t>‹#›</a:t>
             </a:fld>
@@ -2127,7 +2127,7 @@
     </p:spTree>
     <p:extLst>
       <p:ext uri="{BB962C8B-B14F-4D97-AF65-F5344CB8AC3E}">
-        <p14:creationId xmlns:p14="http://schemas.microsoft.com/office/powerpoint/2010/main" val="2249656514"/>
+        <p14:creationId xmlns:p14="http://schemas.microsoft.com/office/powerpoint/2010/main" val="2714372438"/>
       </p:ext>
     </p:extLst>
   </p:cSld>
@@ -2159,7 +2159,7 @@
           <p:cNvPr id="2" name="标题 1">
             <a:extLst>
               <a:ext uri="{FF2B5EF4-FFF2-40B4-BE49-F238E27FC236}">
-                <a16:creationId xmlns:a16="http://schemas.microsoft.com/office/drawing/2014/main" id="{93487D78-5E6C-E5E7-05F0-C37111F9D9D6}"/>
+                <a16:creationId xmlns:a16="http://schemas.microsoft.com/office/drawing/2014/main" id="{FDE2475C-7F69-2BAE-356D-DD40EA7C0142}"/>
               </a:ext>
             </a:extLst>
           </p:cNvPr>
@@ -2196,7 +2196,7 @@
           <p:cNvPr id="3" name="内容占位符 2">
             <a:extLst>
               <a:ext uri="{FF2B5EF4-FFF2-40B4-BE49-F238E27FC236}">
-                <a16:creationId xmlns:a16="http://schemas.microsoft.com/office/drawing/2014/main" id="{BC0C3538-0356-E3A6-6A59-AB3FE95239F3}"/>
+                <a16:creationId xmlns:a16="http://schemas.microsoft.com/office/drawing/2014/main" id="{A00B7EA1-2D6D-1632-8C3D-CED77A922A11}"/>
               </a:ext>
             </a:extLst>
           </p:cNvPr>
@@ -2286,7 +2286,7 @@
           <p:cNvPr id="4" name="文本占位符 3">
             <a:extLst>
               <a:ext uri="{FF2B5EF4-FFF2-40B4-BE49-F238E27FC236}">
-                <a16:creationId xmlns:a16="http://schemas.microsoft.com/office/drawing/2014/main" id="{49806756-170D-4CDC-905F-86C64435613B}"/>
+                <a16:creationId xmlns:a16="http://schemas.microsoft.com/office/drawing/2014/main" id="{87492116-2741-B8A3-70B6-771985E044D6}"/>
               </a:ext>
             </a:extLst>
           </p:cNvPr>
@@ -2357,7 +2357,7 @@
           <p:cNvPr id="5" name="日期占位符 4">
             <a:extLst>
               <a:ext uri="{FF2B5EF4-FFF2-40B4-BE49-F238E27FC236}">
-                <a16:creationId xmlns:a16="http://schemas.microsoft.com/office/drawing/2014/main" id="{4518AA84-8AA4-8A99-2DEC-B864BA5718C9}"/>
+                <a16:creationId xmlns:a16="http://schemas.microsoft.com/office/drawing/2014/main" id="{78C546D2-4F52-A0DF-CE3D-E914963D4FA6}"/>
               </a:ext>
             </a:extLst>
           </p:cNvPr>
@@ -2373,7 +2373,7 @@
           <a:bodyPr/>
           <a:lstStyle/>
           <a:p>
-            <a:fld id="{CE3045B8-B617-40AE-838F-1940CA776C9F}" type="datetimeFigureOut">
+            <a:fld id="{CB6AD5FD-DDC2-4566-9870-0EE6BC786D85}" type="datetimeFigureOut">
               <a:rPr lang="zh-CN" altLang="en-US" smtClean="0"/>
               <a:t>2024/3/10</a:t>
             </a:fld>
@@ -2386,7 +2386,7 @@
           <p:cNvPr id="6" name="页脚占位符 5">
             <a:extLst>
               <a:ext uri="{FF2B5EF4-FFF2-40B4-BE49-F238E27FC236}">
-                <a16:creationId xmlns:a16="http://schemas.microsoft.com/office/drawing/2014/main" id="{B3B354FA-6802-4BB5-0387-D48C4A5E91D0}"/>
+                <a16:creationId xmlns:a16="http://schemas.microsoft.com/office/drawing/2014/main" id="{8362C63A-6288-6C87-4E67-0AE695BE6A89}"/>
               </a:ext>
             </a:extLst>
           </p:cNvPr>
@@ -2411,7 +2411,7 @@
           <p:cNvPr id="7" name="灯片编号占位符 6">
             <a:extLst>
               <a:ext uri="{FF2B5EF4-FFF2-40B4-BE49-F238E27FC236}">
-                <a16:creationId xmlns:a16="http://schemas.microsoft.com/office/drawing/2014/main" id="{848C1A55-5AE2-B8EA-730E-15406336BDA6}"/>
+                <a16:creationId xmlns:a16="http://schemas.microsoft.com/office/drawing/2014/main" id="{881E9020-A3BF-599B-A0D6-B2456DEA7173}"/>
               </a:ext>
             </a:extLst>
           </p:cNvPr>
@@ -2427,7 +2427,7 @@
           <a:bodyPr/>
           <a:lstStyle/>
           <a:p>
-            <a:fld id="{F451E74C-095B-4AE2-AA9C-825C38653BD3}" type="slidenum">
+            <a:fld id="{1BF4661C-3626-4832-978A-EB6BF7AFC9B1}" type="slidenum">
               <a:rPr lang="zh-CN" altLang="en-US" smtClean="0"/>
               <a:t>‹#›</a:t>
             </a:fld>
@@ -2438,7 +2438,7 @@
     </p:spTree>
     <p:extLst>
       <p:ext uri="{BB962C8B-B14F-4D97-AF65-F5344CB8AC3E}">
-        <p14:creationId xmlns:p14="http://schemas.microsoft.com/office/powerpoint/2010/main" val="1731138422"/>
+        <p14:creationId xmlns:p14="http://schemas.microsoft.com/office/powerpoint/2010/main" val="3883946877"/>
       </p:ext>
     </p:extLst>
   </p:cSld>
@@ -2470,7 +2470,7 @@
           <p:cNvPr id="2" name="标题 1">
             <a:extLst>
               <a:ext uri="{FF2B5EF4-FFF2-40B4-BE49-F238E27FC236}">
-                <a16:creationId xmlns:a16="http://schemas.microsoft.com/office/drawing/2014/main" id="{29B5F054-5D9D-C6B6-5245-7ACA330E102A}"/>
+                <a16:creationId xmlns:a16="http://schemas.microsoft.com/office/drawing/2014/main" id="{F6B316E6-6EE7-8F7A-959B-B940EB43E0F7}"/>
               </a:ext>
             </a:extLst>
           </p:cNvPr>
@@ -2507,7 +2507,7 @@
           <p:cNvPr id="3" name="图片占位符 2">
             <a:extLst>
               <a:ext uri="{FF2B5EF4-FFF2-40B4-BE49-F238E27FC236}">
-                <a16:creationId xmlns:a16="http://schemas.microsoft.com/office/drawing/2014/main" id="{97DD7FFC-A338-985D-6F6C-A11A0BE2D263}"/>
+                <a16:creationId xmlns:a16="http://schemas.microsoft.com/office/drawing/2014/main" id="{2583D8FA-6DEA-A19D-7E1F-C6DE80DB5C78}"/>
               </a:ext>
             </a:extLst>
           </p:cNvPr>
@@ -2574,7 +2574,7 @@
           <p:cNvPr id="4" name="文本占位符 3">
             <a:extLst>
               <a:ext uri="{FF2B5EF4-FFF2-40B4-BE49-F238E27FC236}">
-                <a16:creationId xmlns:a16="http://schemas.microsoft.com/office/drawing/2014/main" id="{E0E29392-F1E6-DE42-30A8-F253E44B41B0}"/>
+                <a16:creationId xmlns:a16="http://schemas.microsoft.com/office/drawing/2014/main" id="{9BB9F558-438D-93ED-E29D-3C69596DBE08}"/>
               </a:ext>
             </a:extLst>
           </p:cNvPr>
@@ -2645,7 +2645,7 @@
           <p:cNvPr id="5" name="日期占位符 4">
             <a:extLst>
               <a:ext uri="{FF2B5EF4-FFF2-40B4-BE49-F238E27FC236}">
-                <a16:creationId xmlns:a16="http://schemas.microsoft.com/office/drawing/2014/main" id="{0642A3E6-C3CF-9BD5-9A95-7D8A8419CA26}"/>
+                <a16:creationId xmlns:a16="http://schemas.microsoft.com/office/drawing/2014/main" id="{86FF570C-F64B-77BD-684F-C2F2E19D4038}"/>
               </a:ext>
             </a:extLst>
           </p:cNvPr>
@@ -2661,7 +2661,7 @@
           <a:bodyPr/>
           <a:lstStyle/>
           <a:p>
-            <a:fld id="{CE3045B8-B617-40AE-838F-1940CA776C9F}" type="datetimeFigureOut">
+            <a:fld id="{CB6AD5FD-DDC2-4566-9870-0EE6BC786D85}" type="datetimeFigureOut">
               <a:rPr lang="zh-CN" altLang="en-US" smtClean="0"/>
               <a:t>2024/3/10</a:t>
             </a:fld>
@@ -2674,7 +2674,7 @@
           <p:cNvPr id="6" name="页脚占位符 5">
             <a:extLst>
               <a:ext uri="{FF2B5EF4-FFF2-40B4-BE49-F238E27FC236}">
-                <a16:creationId xmlns:a16="http://schemas.microsoft.com/office/drawing/2014/main" id="{ABFC962B-5978-BCFA-BFB0-9176761865C6}"/>
+                <a16:creationId xmlns:a16="http://schemas.microsoft.com/office/drawing/2014/main" id="{FF53EDE1-AD73-FC93-288C-EF36DE149983}"/>
               </a:ext>
             </a:extLst>
           </p:cNvPr>
@@ -2699,7 +2699,7 @@
           <p:cNvPr id="7" name="灯片编号占位符 6">
             <a:extLst>
               <a:ext uri="{FF2B5EF4-FFF2-40B4-BE49-F238E27FC236}">
-                <a16:creationId xmlns:a16="http://schemas.microsoft.com/office/drawing/2014/main" id="{4E14B6A2-B207-47B4-FAEE-7F487247A578}"/>
+                <a16:creationId xmlns:a16="http://schemas.microsoft.com/office/drawing/2014/main" id="{2201D153-A8F8-EBD5-17E2-AC025EB09131}"/>
               </a:ext>
             </a:extLst>
           </p:cNvPr>
@@ -2715,7 +2715,7 @@
           <a:bodyPr/>
           <a:lstStyle/>
           <a:p>
-            <a:fld id="{F451E74C-095B-4AE2-AA9C-825C38653BD3}" type="slidenum">
+            <a:fld id="{1BF4661C-3626-4832-978A-EB6BF7AFC9B1}" type="slidenum">
               <a:rPr lang="zh-CN" altLang="en-US" smtClean="0"/>
               <a:t>‹#›</a:t>
             </a:fld>
@@ -2726,7 +2726,7 @@
     </p:spTree>
     <p:extLst>
       <p:ext uri="{BB962C8B-B14F-4D97-AF65-F5344CB8AC3E}">
-        <p14:creationId xmlns:p14="http://schemas.microsoft.com/office/powerpoint/2010/main" val="3362184730"/>
+        <p14:creationId xmlns:p14="http://schemas.microsoft.com/office/powerpoint/2010/main" val="362852068"/>
       </p:ext>
     </p:extLst>
   </p:cSld>
@@ -2763,7 +2763,7 @@
           <p:cNvPr id="2" name="标题占位符 1">
             <a:extLst>
               <a:ext uri="{FF2B5EF4-FFF2-40B4-BE49-F238E27FC236}">
-                <a16:creationId xmlns:a16="http://schemas.microsoft.com/office/drawing/2014/main" id="{6FFACD26-19CA-477B-B6EF-3591448F15EC}"/>
+                <a16:creationId xmlns:a16="http://schemas.microsoft.com/office/drawing/2014/main" id="{82A5B365-915B-6059-19F9-A6AAE53998DF}"/>
               </a:ext>
             </a:extLst>
           </p:cNvPr>
@@ -2801,7 +2801,7 @@
           <p:cNvPr id="3" name="文本占位符 2">
             <a:extLst>
               <a:ext uri="{FF2B5EF4-FFF2-40B4-BE49-F238E27FC236}">
-                <a16:creationId xmlns:a16="http://schemas.microsoft.com/office/drawing/2014/main" id="{3DD2A201-3244-E073-5F03-D7D96820DB61}"/>
+                <a16:creationId xmlns:a16="http://schemas.microsoft.com/office/drawing/2014/main" id="{69C93E2F-BAC5-E05D-5D50-D5ACC8AC5582}"/>
               </a:ext>
             </a:extLst>
           </p:cNvPr>
@@ -2868,7 +2868,7 @@
           <p:cNvPr id="4" name="日期占位符 3">
             <a:extLst>
               <a:ext uri="{FF2B5EF4-FFF2-40B4-BE49-F238E27FC236}">
-                <a16:creationId xmlns:a16="http://schemas.microsoft.com/office/drawing/2014/main" id="{3242D48F-6360-1079-8762-9C0E8D3FD76D}"/>
+                <a16:creationId xmlns:a16="http://schemas.microsoft.com/office/drawing/2014/main" id="{10C39089-72BC-7BD8-BBAA-0CC46A4F9BDF}"/>
               </a:ext>
             </a:extLst>
           </p:cNvPr>
@@ -2902,7 +2902,7 @@
             </a:lvl1pPr>
           </a:lstStyle>
           <a:p>
-            <a:fld id="{CE3045B8-B617-40AE-838F-1940CA776C9F}" type="datetimeFigureOut">
+            <a:fld id="{CB6AD5FD-DDC2-4566-9870-0EE6BC786D85}" type="datetimeFigureOut">
               <a:rPr lang="zh-CN" altLang="en-US" smtClean="0"/>
               <a:t>2024/3/10</a:t>
             </a:fld>
@@ -2915,7 +2915,7 @@
           <p:cNvPr id="5" name="页脚占位符 4">
             <a:extLst>
               <a:ext uri="{FF2B5EF4-FFF2-40B4-BE49-F238E27FC236}">
-                <a16:creationId xmlns:a16="http://schemas.microsoft.com/office/drawing/2014/main" id="{66C7C7A2-F94B-4CA8-79CE-564973C2A9F0}"/>
+                <a16:creationId xmlns:a16="http://schemas.microsoft.com/office/drawing/2014/main" id="{65A0D823-46FC-3292-1C5D-1228F10F0220}"/>
               </a:ext>
             </a:extLst>
           </p:cNvPr>
@@ -2958,7 +2958,7 @@
           <p:cNvPr id="6" name="灯片编号占位符 5">
             <a:extLst>
               <a:ext uri="{FF2B5EF4-FFF2-40B4-BE49-F238E27FC236}">
-                <a16:creationId xmlns:a16="http://schemas.microsoft.com/office/drawing/2014/main" id="{7191A871-401F-6D48-1954-A5E9986890FB}"/>
+                <a16:creationId xmlns:a16="http://schemas.microsoft.com/office/drawing/2014/main" id="{4E6E98D6-2D44-1EC3-60AD-D352432D172D}"/>
               </a:ext>
             </a:extLst>
           </p:cNvPr>
@@ -2992,7 +2992,7 @@
             </a:lvl1pPr>
           </a:lstStyle>
           <a:p>
-            <a:fld id="{F451E74C-095B-4AE2-AA9C-825C38653BD3}" type="slidenum">
+            <a:fld id="{1BF4661C-3626-4832-978A-EB6BF7AFC9B1}" type="slidenum">
               <a:rPr lang="zh-CN" altLang="en-US" smtClean="0"/>
               <a:t>‹#›</a:t>
             </a:fld>
@@ -3003,7 +3003,7 @@
     </p:spTree>
     <p:extLst>
       <p:ext uri="{BB962C8B-B14F-4D97-AF65-F5344CB8AC3E}">
-        <p14:creationId xmlns:p14="http://schemas.microsoft.com/office/powerpoint/2010/main" val="1439123494"/>
+        <p14:creationId xmlns:p14="http://schemas.microsoft.com/office/powerpoint/2010/main" val="4101620186"/>
       </p:ext>
     </p:extLst>
   </p:cSld>
